--- a/Data_mini.pptx
+++ b/Data_mini.pptx
@@ -8,6 +8,9 @@
     <p:sldId id="256" r:id="rId2"/>
     <p:sldId id="257" r:id="rId3"/>
     <p:sldId id="258" r:id="rId4"/>
+    <p:sldId id="259" r:id="rId5"/>
+    <p:sldId id="260" r:id="rId6"/>
+    <p:sldId id="261" r:id="rId7"/>
   </p:sldIdLst>
   <p:sldSz cx="9144000" cy="5143500" type="screen16x9"/>
   <p:notesSz cx="6858000" cy="9144000"/>
@@ -3174,12 +3177,12 @@
       </p:grpSpPr>
       <p:sp>
         <p:nvSpPr>
-          <p:cNvPr id="2" name="Title 1"/>
-          <p:cNvSpPr>
-            <a:spLocks noGrp="1"/>
-          </p:cNvSpPr>
-          <p:nvPr>
-            <p:ph type="title"/>
+          <p:cNvPr id="4" name="Text Placeholder 3"/>
+          <p:cNvSpPr>
+            <a:spLocks noGrp="1"/>
+          </p:cNvSpPr>
+          <p:nvPr>
+            <p:ph idx="2" sz="half" type="body"/>
           </p:nvPr>
         </p:nvSpPr>
         <p:spPr/>
@@ -3187,51 +3190,68 @@
           <a:bodyPr/>
           <a:lstStyle/>
           <a:p>
-            <a:pPr lvl="0" indent="0" marL="0">
+            <a:pPr lvl="0" indent="0">
               <a:buNone/>
             </a:pPr>
             <a:r>
-              <a:rPr/>
-              <a:t>Quarto</a:t>
-            </a:r>
-          </a:p>
-        </p:txBody>
-      </p:sp>
-      <p:sp>
-        <p:nvSpPr>
-          <p:cNvPr id="3" name="Content Placeholder 2"/>
-          <p:cNvSpPr>
-            <a:spLocks noGrp="1"/>
-          </p:cNvSpPr>
-          <p:nvPr>
-            <p:ph idx="1"/>
-          </p:nvPr>
-        </p:nvSpPr>
-        <p:spPr/>
-        <p:txBody>
-          <a:bodyPr/>
-          <a:lstStyle/>
-          <a:p>
-            <a:pPr lvl="0" indent="0" marL="0">
-              <a:buNone/>
-            </a:pPr>
-            <a:r>
-              <a:rPr/>
-              <a:t>Quarto enables you to weave together content and executable code into a finished document. To learn more about Quarto see </a:t>
-            </a:r>
-            <a:r>
               <a:rPr>
-                <a:hlinkClick r:id="rId2"/>
+                <a:latin typeface="Courier"/>
               </a:rPr>
-              <a:t>https://quarto.org</a:t>
-            </a:r>
-            <a:r>
-              <a:rPr/>
-              <a:t>.</a:t>
-            </a:r>
-          </a:p>
-        </p:txBody>
-      </p:sp>
+              <a:t>Rows: 26,073
+Columns: 19
+$ campusName         &lt;chr&gt; "CAYUGA H S", "CAYUGA H S", "CAYUGA H S", "CAYUGA M…
+$ campusNumber       &lt;int&gt; 1902001, 1902001, 1902001, 1902041, 1902041, 190204…
+$ countyName         &lt;chr&gt; "ANDERSON", "ANDERSON", "ANDERSON", "ANDERSON", "AN…
+$ countyNumber       &lt;int&gt; 1, 1, 1, 1, 1, 1, 1, 1, 1, 1, 1, 1, 1, 1, 1, 1, 1, …
+$ districtName       &lt;chr&gt; "CAYUGA ISD", "CAYUGA ISD", "CAYUGA ISD", "CAYUGA I…
+$ districtNumber     &lt;int&gt; 1902, 1902, 1902, 1902, 1902, 1902, 1902, 1902, 190…
+$ region             &lt;int&gt; 7, 7, 7, 7, 7, 7, 7, 7, 7, 7, 7, 7, 7, 7, 7, 7, 7, …
+$ schoolLevel        &lt;chr&gt; "High School", "High School", "High School", "Middl…
+$ grade_lo           &lt;int&gt; 9, 9, 9, 6, 6, 6, -1, -1, -1, 9, 9, 9, 6, 6, 6, -1,…
+$ grade_hi           &lt;int&gt; 12, 12, 12, 8, 8, 8, 5, 5, 5, 12, 12, 12, 8, 8, 8, …
+$ charterSchool      &lt;lgl&gt; FALSE, FALSE, FALSE, FALSE, FALSE, FALSE, FALSE, FA…
+$ locationType       &lt;chr&gt; "Rural-Remote", "Rural-Remote", "Rural-Remote", "Ru…
+$ studentsTotal      &lt;int&gt; 171, 171, 171, 166, 166, 166, 256, 256, 256, 315, 3…
+$ teachersTotal      &lt;dbl&gt; 19.3, 19.3, 19.3, 11.2, 11.2, 11.2, 17.9, 17.9, 17.…
+$ s_econ_disadv_prop &lt;dbl&gt; 0.4444444, 0.4444444, 0.4444444, 0.4698795, 0.46987…
+$ race               &lt;chr&gt; "Black", "Hispanic", "white", "Black", "Hispanic", …
+$ student_frac       &lt;dbl&gt; 0.03508772, 0.10526316, 0.80701754, 0.04819277, 0.0…
+$ teacher_frac       &lt;dbl&gt; 0.00000000, 0.00000000, 1.00000000, 0.00000000, 0.0…
+$ student_count      &lt;int&gt; 6, 18, 138, 8, 16, 132, 14, 22, 209, 12, 38, 251, 9…</a:t>
+            </a:r>
+          </a:p>
+        </p:txBody>
+      </p:sp>
+      <p:pic>
+        <p:nvPicPr>
+          <p:cNvPr descr="Data_mini_files/figure-pptx/analyze%20teachers%20and%20students%20by%20race-1.png" id="0" name="Picture 1"/>
+          <p:cNvPicPr>
+            <a:picLocks noGrp="1" noChangeAspect="1"/>
+          </p:cNvPicPr>
+          <p:nvPr/>
+        </p:nvPicPr>
+        <p:blipFill>
+          <a:blip r:embed="rId2"/>
+          <a:stretch>
+            <a:fillRect/>
+          </a:stretch>
+        </p:blipFill>
+        <p:spPr bwMode="auto">
+          <a:xfrm>
+            <a:off x="3568700" y="1117600"/>
+            <a:ext cx="5105400" cy="2552700"/>
+          </a:xfrm>
+          <a:prstGeom prst="rect">
+            <a:avLst/>
+          </a:prstGeom>
+          <a:noFill/>
+          <a:ln w="9525">
+            <a:noFill/>
+            <a:headEnd/>
+            <a:tailEnd/>
+          </a:ln>
+        </p:spPr>
+      </p:pic>
     </p:spTree>
   </p:cSld>
 </p:sld>
@@ -3254,114 +3274,192 @@
           <a:chExt cx="0" cy="0"/>
         </a:xfrm>
       </p:grpSpPr>
-      <p:sp>
-        <p:nvSpPr>
-          <p:cNvPr id="2" name="Title 1"/>
-          <p:cNvSpPr>
-            <a:spLocks noGrp="1"/>
-          </p:cNvSpPr>
-          <p:nvPr>
-            <p:ph type="title"/>
-          </p:nvPr>
-        </p:nvSpPr>
-        <p:spPr/>
-        <p:txBody>
-          <a:bodyPr/>
-          <a:lstStyle/>
-          <a:p>
-            <a:pPr lvl="0" indent="0" marL="0">
-              <a:buNone/>
-            </a:pPr>
-            <a:r>
-              <a:rPr/>
-              <a:t>Running Code</a:t>
-            </a:r>
-          </a:p>
-        </p:txBody>
-      </p:sp>
-      <p:sp>
-        <p:nvSpPr>
-          <p:cNvPr id="3" name="Content Placeholder 2"/>
-          <p:cNvSpPr>
-            <a:spLocks noGrp="1"/>
-          </p:cNvSpPr>
-          <p:nvPr>
-            <p:ph idx="1"/>
-          </p:nvPr>
-        </p:nvSpPr>
-        <p:spPr/>
-        <p:txBody>
-          <a:bodyPr/>
-          <a:lstStyle/>
-          <a:p>
-            <a:pPr lvl="0" indent="0" marL="0">
-              <a:buNone/>
-            </a:pPr>
-            <a:r>
-              <a:rPr/>
-              <a:t>When you click the </a:t>
-            </a:r>
-            <a:r>
-              <a:rPr b="1"/>
-              <a:t>Render</a:t>
-            </a:r>
-            <a:r>
-              <a:rPr/>
-              <a:t> button a document will be generated that includes both content and the output of embedded code. You can embed code like this:</a:t>
-            </a:r>
-          </a:p>
-          <a:p>
-            <a:pPr lvl="0" indent="0">
-              <a:buNone/>
-            </a:pPr>
-            <a:r>
-              <a:rPr>
-                <a:latin typeface="Courier"/>
-              </a:rPr>
-              <a:t>[1] 2</a:t>
-            </a:r>
-          </a:p>
-          <a:p>
-            <a:pPr lvl="0" indent="0" marL="0">
-              <a:buNone/>
-            </a:pPr>
-            <a:r>
-              <a:rPr/>
-              <a:t>You can add options to executable code like this</a:t>
-            </a:r>
-          </a:p>
-          <a:p>
-            <a:pPr lvl="0" indent="0">
-              <a:buNone/>
-            </a:pPr>
-            <a:r>
-              <a:rPr>
-                <a:latin typeface="Courier"/>
-              </a:rPr>
-              <a:t>[1] 4</a:t>
-            </a:r>
-          </a:p>
-          <a:p>
-            <a:pPr lvl="0" indent="0" marL="0">
-              <a:buNone/>
-            </a:pPr>
-            <a:r>
-              <a:rPr/>
-              <a:t>The </a:t>
-            </a:r>
-            <a:r>
-              <a:rPr>
-                <a:latin typeface="Courier"/>
-              </a:rPr>
-              <a:t>echo: false</a:t>
-            </a:r>
-            <a:r>
-              <a:rPr/>
-              <a:t> option disables the printing of code (only output is displayed).</a:t>
-            </a:r>
-          </a:p>
-        </p:txBody>
-      </p:sp>
+      <p:pic>
+        <p:nvPicPr>
+          <p:cNvPr descr="Data_mini_files/figure-pptx/analyze%20teachers%20and%20students%20by%20race-2.png" id="0" name="Picture 1"/>
+          <p:cNvPicPr>
+            <a:picLocks noGrp="1" noChangeAspect="1"/>
+          </p:cNvPicPr>
+          <p:nvPr/>
+        </p:nvPicPr>
+        <p:blipFill>
+          <a:blip r:embed="rId2"/>
+          <a:stretch>
+            <a:fillRect/>
+          </a:stretch>
+        </p:blipFill>
+        <p:spPr bwMode="auto">
+          <a:xfrm>
+            <a:off x="1181100" y="1193800"/>
+            <a:ext cx="6781800" cy="3390900"/>
+          </a:xfrm>
+          <a:prstGeom prst="rect">
+            <a:avLst/>
+          </a:prstGeom>
+          <a:noFill/>
+          <a:ln w="9525">
+            <a:noFill/>
+            <a:headEnd/>
+            <a:tailEnd/>
+          </a:ln>
+        </p:spPr>
+      </p:pic>
+    </p:spTree>
+  </p:cSld>
+</p:sld>
+</file>
+
+<file path=ppt/slides/slide4.xml><?xml version="1.0" encoding="utf-8"?>
+<p:sld xmlns:a="http://schemas.openxmlformats.org/drawingml/2006/main" xmlns:r="http://schemas.openxmlformats.org/officeDocument/2006/relationships" xmlns:p="http://schemas.openxmlformats.org/presentationml/2006/main">
+  <p:cSld>
+    <p:spTree>
+      <p:nvGrpSpPr>
+        <p:cNvPr id="1" name=""/>
+        <p:cNvGrpSpPr/>
+        <p:nvPr/>
+      </p:nvGrpSpPr>
+      <p:grpSpPr>
+        <a:xfrm>
+          <a:off x="0" y="0"/>
+          <a:ext cx="0" cy="0"/>
+          <a:chOff x="0" y="0"/>
+          <a:chExt cx="0" cy="0"/>
+        </a:xfrm>
+      </p:grpSpPr>
+      <p:pic>
+        <p:nvPicPr>
+          <p:cNvPr descr="Data_mini_files/figure-pptx/analyze%20teachers%20and%20students%20by%20race-3.png" id="0" name="Picture 1"/>
+          <p:cNvPicPr>
+            <a:picLocks noGrp="1" noChangeAspect="1"/>
+          </p:cNvPicPr>
+          <p:nvPr/>
+        </p:nvPicPr>
+        <p:blipFill>
+          <a:blip r:embed="rId2"/>
+          <a:stretch>
+            <a:fillRect/>
+          </a:stretch>
+        </p:blipFill>
+        <p:spPr bwMode="auto">
+          <a:xfrm>
+            <a:off x="1181100" y="1193800"/>
+            <a:ext cx="6781800" cy="3390900"/>
+          </a:xfrm>
+          <a:prstGeom prst="rect">
+            <a:avLst/>
+          </a:prstGeom>
+          <a:noFill/>
+          <a:ln w="9525">
+            <a:noFill/>
+            <a:headEnd/>
+            <a:tailEnd/>
+          </a:ln>
+        </p:spPr>
+      </p:pic>
+    </p:spTree>
+  </p:cSld>
+</p:sld>
+</file>
+
+<file path=ppt/slides/slide5.xml><?xml version="1.0" encoding="utf-8"?>
+<p:sld xmlns:a="http://schemas.openxmlformats.org/drawingml/2006/main" xmlns:r="http://schemas.openxmlformats.org/officeDocument/2006/relationships" xmlns:p="http://schemas.openxmlformats.org/presentationml/2006/main">
+  <p:cSld>
+    <p:spTree>
+      <p:nvGrpSpPr>
+        <p:cNvPr id="1" name=""/>
+        <p:cNvGrpSpPr/>
+        <p:nvPr/>
+      </p:nvGrpSpPr>
+      <p:grpSpPr>
+        <a:xfrm>
+          <a:off x="0" y="0"/>
+          <a:ext cx="0" cy="0"/>
+          <a:chOff x="0" y="0"/>
+          <a:chExt cx="0" cy="0"/>
+        </a:xfrm>
+      </p:grpSpPr>
+      <p:pic>
+        <p:nvPicPr>
+          <p:cNvPr descr="Data_mini_files/figure-pptx/compare%20race%20represenation%20of%20students%20and%20teachers%20by%20region-1.png" id="0" name="Picture 1"/>
+          <p:cNvPicPr>
+            <a:picLocks noGrp="1" noChangeAspect="1"/>
+          </p:cNvPicPr>
+          <p:nvPr/>
+        </p:nvPicPr>
+        <p:blipFill>
+          <a:blip r:embed="rId2"/>
+          <a:stretch>
+            <a:fillRect/>
+          </a:stretch>
+        </p:blipFill>
+        <p:spPr bwMode="auto">
+          <a:xfrm>
+            <a:off x="1181100" y="1193800"/>
+            <a:ext cx="6781800" cy="3390900"/>
+          </a:xfrm>
+          <a:prstGeom prst="rect">
+            <a:avLst/>
+          </a:prstGeom>
+          <a:noFill/>
+          <a:ln w="9525">
+            <a:noFill/>
+            <a:headEnd/>
+            <a:tailEnd/>
+          </a:ln>
+        </p:spPr>
+      </p:pic>
+    </p:spTree>
+  </p:cSld>
+</p:sld>
+</file>
+
+<file path=ppt/slides/slide6.xml><?xml version="1.0" encoding="utf-8"?>
+<p:sld xmlns:a="http://schemas.openxmlformats.org/drawingml/2006/main" xmlns:r="http://schemas.openxmlformats.org/officeDocument/2006/relationships" xmlns:p="http://schemas.openxmlformats.org/presentationml/2006/main">
+  <p:cSld>
+    <p:spTree>
+      <p:nvGrpSpPr>
+        <p:cNvPr id="1" name=""/>
+        <p:cNvGrpSpPr/>
+        <p:nvPr/>
+      </p:nvGrpSpPr>
+      <p:grpSpPr>
+        <a:xfrm>
+          <a:off x="0" y="0"/>
+          <a:ext cx="0" cy="0"/>
+          <a:chOff x="0" y="0"/>
+          <a:chExt cx="0" cy="0"/>
+        </a:xfrm>
+      </p:grpSpPr>
+      <p:pic>
+        <p:nvPicPr>
+          <p:cNvPr descr="Data_mini_files/figure-pptx/compare%20race%20represenation%20of%20students%20and%20teachers%20by%20location%20type-1.png" id="0" name="Picture 1"/>
+          <p:cNvPicPr>
+            <a:picLocks noGrp="1" noChangeAspect="1"/>
+          </p:cNvPicPr>
+          <p:nvPr/>
+        </p:nvPicPr>
+        <p:blipFill>
+          <a:blip r:embed="rId2"/>
+          <a:stretch>
+            <a:fillRect/>
+          </a:stretch>
+        </p:blipFill>
+        <p:spPr bwMode="auto">
+          <a:xfrm>
+            <a:off x="1181100" y="1193800"/>
+            <a:ext cx="6781800" cy="3390900"/>
+          </a:xfrm>
+          <a:prstGeom prst="rect">
+            <a:avLst/>
+          </a:prstGeom>
+          <a:noFill/>
+          <a:ln w="9525">
+            <a:noFill/>
+            <a:headEnd/>
+            <a:tailEnd/>
+          </a:ln>
+        </p:spPr>
+      </p:pic>
     </p:spTree>
   </p:cSld>
 </p:sld>
